--- a/25.08.2022_4.pptx
+++ b/25.08.2022_4.pptx
@@ -204,7 +204,7 @@
           <a:p>
             <a:fld id="{151299C4-0FA2-42C7-8E7A-443DF9BE88DC}" type="datetimeFigureOut">
               <a:rPr lang="en-US" smtClean="0"/>
-              <a:t>7/27/2022</a:t>
+              <a:t>7/29/2022</a:t>
             </a:fld>
             <a:endParaRPr lang="en-US"/>
           </a:p>
@@ -698,7 +698,7 @@
           <a:p>
             <a:fld id="{F05CB8E0-D19D-4736-95D5-6A18BC610D96}" type="datetime1">
               <a:rPr lang="en-US" smtClean="0"/>
-              <a:t>7/27/2022</a:t>
+              <a:t>7/29/2022</a:t>
             </a:fld>
             <a:endParaRPr lang="en-US"/>
           </a:p>
@@ -910,7 +910,7 @@
           <a:p>
             <a:fld id="{5CF8F0FD-C9E4-45AE-9FCA-18592EFE0BF3}" type="datetime1">
               <a:rPr lang="en-US" smtClean="0"/>
-              <a:t>7/27/2022</a:t>
+              <a:t>7/29/2022</a:t>
             </a:fld>
             <a:endParaRPr lang="en-US"/>
           </a:p>
@@ -1170,7 +1170,7 @@
           <a:p>
             <a:fld id="{07F58A96-2F20-4A62-8675-90D916FE4C2E}" type="datetime1">
               <a:rPr lang="en-US" smtClean="0"/>
-              <a:t>7/27/2022</a:t>
+              <a:t>7/29/2022</a:t>
             </a:fld>
             <a:endParaRPr lang="en-US"/>
           </a:p>
@@ -1348,7 +1348,7 @@
           <a:p>
             <a:fld id="{F39EFE85-4F1B-40A4-8F8C-08EA2DE17FD9}" type="datetime1">
               <a:rPr lang="en-US" smtClean="0"/>
-              <a:t>7/27/2022</a:t>
+              <a:t>7/29/2022</a:t>
             </a:fld>
             <a:endParaRPr lang="en-US"/>
           </a:p>
@@ -1695,7 +1695,7 @@
           <a:p>
             <a:fld id="{15F597B2-1E23-47FC-81F7-68D66B62804F}" type="datetime1">
               <a:rPr lang="en-US" smtClean="0"/>
-              <a:t>7/27/2022</a:t>
+              <a:t>7/29/2022</a:t>
             </a:fld>
             <a:endParaRPr lang="en-US"/>
           </a:p>
@@ -1974,7 +1974,7 @@
           <a:p>
             <a:fld id="{D47DE926-04D7-4D2F-8F7E-00DC9C47783E}" type="datetime1">
               <a:rPr lang="en-US" smtClean="0"/>
-              <a:t>7/27/2022</a:t>
+              <a:t>7/29/2022</a:t>
             </a:fld>
             <a:endParaRPr lang="en-US"/>
           </a:p>
@@ -2357,7 +2357,7 @@
           <a:p>
             <a:fld id="{A1B171BA-F629-41B7-8708-66764EB9A4CD}" type="datetime1">
               <a:rPr lang="en-US" smtClean="0"/>
-              <a:t>7/27/2022</a:t>
+              <a:t>7/29/2022</a:t>
             </a:fld>
             <a:endParaRPr lang="en-US"/>
           </a:p>
@@ -2479,7 +2479,7 @@
           <a:p>
             <a:fld id="{F4EF29B5-57BD-4921-8B53-9A7846715F14}" type="datetime1">
               <a:rPr lang="en-US" smtClean="0"/>
-              <a:t>7/27/2022</a:t>
+              <a:t>7/29/2022</a:t>
             </a:fld>
             <a:endParaRPr lang="en-US"/>
           </a:p>
@@ -2654,7 +2654,7 @@
           <a:p>
             <a:fld id="{E7F87605-3626-4F28-B129-1A274F447729}" type="datetime1">
               <a:rPr lang="en-US" smtClean="0"/>
-              <a:t>7/27/2022</a:t>
+              <a:t>7/29/2022</a:t>
             </a:fld>
             <a:endParaRPr lang="en-US"/>
           </a:p>
@@ -3012,7 +3012,7 @@
           <a:p>
             <a:fld id="{B2CEF89D-9FB3-46DB-96F7-B948022B52C3}" type="datetime1">
               <a:rPr lang="en-US" smtClean="0"/>
-              <a:t>7/27/2022</a:t>
+              <a:t>7/29/2022</a:t>
             </a:fld>
             <a:endParaRPr lang="en-US"/>
           </a:p>
@@ -3398,7 +3398,7 @@
           <a:p>
             <a:fld id="{B4F419F8-BD63-4925-BADA-11BDC824A407}" type="datetime1">
               <a:rPr lang="en-US" smtClean="0"/>
-              <a:t>7/27/2022</a:t>
+              <a:t>7/29/2022</a:t>
             </a:fld>
             <a:endParaRPr lang="en-US"/>
           </a:p>
@@ -3689,7 +3689,7 @@
           <a:p>
             <a:fld id="{5CBB19A3-C3A9-4F5D-90BA-B77F15CFB3D6}" type="datetime1">
               <a:rPr lang="en-US" smtClean="0"/>
-              <a:t>7/27/2022</a:t>
+              <a:t>7/29/2022</a:t>
             </a:fld>
             <a:endParaRPr lang="en-US"/>
           </a:p>
@@ -6082,12 +6082,16 @@
               <a:t>-warning': </a:t>
             </a:r>
             <a:r>
-              <a:rPr lang="en-US" dirty="0" err="1"/>
+              <a:rPr lang="en-US" dirty="0" err="1" smtClean="0"/>
               <a:t>item.action</a:t>
             </a:r>
             <a:r>
+              <a:rPr lang="en-US" dirty="0" smtClean="0"/>
+              <a:t>, </a:t>
+            </a:r>
+            <a:r>
               <a:rPr lang="en-US" dirty="0"/>
-              <a:t>, '</a:t>
+              <a:t>'</a:t>
             </a:r>
             <a:r>
               <a:rPr lang="en-US" dirty="0" err="1"/>
@@ -6095,19 +6099,23 @@
             </a:r>
             <a:r>
               <a:rPr lang="en-US" dirty="0"/>
-              <a:t>-primary': !</a:t>
-            </a:r>
-            <a:r>
-              <a:rPr lang="en-US" dirty="0" err="1"/>
+              <a:t>-primary': </a:t>
+            </a:r>
+            <a:r>
+              <a:rPr lang="en-US" dirty="0" smtClean="0"/>
+              <a:t>!</a:t>
+            </a:r>
+            <a:r>
+              <a:rPr lang="en-US" dirty="0" err="1" smtClean="0"/>
               <a:t>item.action</a:t>
             </a:r>
             <a:r>
               <a:rPr lang="en-US" dirty="0" smtClean="0"/>
-              <a:t>}</a:t>
+              <a:t>} </a:t>
             </a:r>
             <a:r>
               <a:rPr lang="en-US" dirty="0"/>
-              <a:t> "</a:t>
+              <a:t>"</a:t>
             </a:r>
             <a:endParaRPr lang="tr-TR" dirty="0"/>
           </a:p>
